--- a/Maqueta.pptx
+++ b/Maqueta.pptx
@@ -104,6 +104,11 @@
       </a:defRPr>
     </a:lvl9pPr>
   </p:defaultTextStyle>
+  <p:extLst>
+    <p:ext uri="{EFAFB233-063F-42B5-8137-9DF3F51BA10A}">
+      <p15:sldGuideLst xmlns:p15="http://schemas.microsoft.com/office/powerpoint/2012/main"/>
+    </p:ext>
+  </p:extLst>
 </p:presentation>
 </file>
 
@@ -254,7 +259,7 @@
           <a:p>
             <a:fld id="{B06EC84A-EF8F-4AED-8615-B8876BDAD4DC}" type="datetimeFigureOut">
               <a:rPr lang="pt-PT" smtClean="0"/>
-              <a:t>17/02/2019</a:t>
+              <a:t>18/02/2019</a:t>
             </a:fld>
             <a:endParaRPr lang="pt-PT"/>
           </a:p>
@@ -452,7 +457,7 @@
           <a:p>
             <a:fld id="{B06EC84A-EF8F-4AED-8615-B8876BDAD4DC}" type="datetimeFigureOut">
               <a:rPr lang="pt-PT" smtClean="0"/>
-              <a:t>17/02/2019</a:t>
+              <a:t>18/02/2019</a:t>
             </a:fld>
             <a:endParaRPr lang="pt-PT"/>
           </a:p>
@@ -660,7 +665,7 @@
           <a:p>
             <a:fld id="{B06EC84A-EF8F-4AED-8615-B8876BDAD4DC}" type="datetimeFigureOut">
               <a:rPr lang="pt-PT" smtClean="0"/>
-              <a:t>17/02/2019</a:t>
+              <a:t>18/02/2019</a:t>
             </a:fld>
             <a:endParaRPr lang="pt-PT"/>
           </a:p>
@@ -858,7 +863,7 @@
           <a:p>
             <a:fld id="{B06EC84A-EF8F-4AED-8615-B8876BDAD4DC}" type="datetimeFigureOut">
               <a:rPr lang="pt-PT" smtClean="0"/>
-              <a:t>17/02/2019</a:t>
+              <a:t>18/02/2019</a:t>
             </a:fld>
             <a:endParaRPr lang="pt-PT"/>
           </a:p>
@@ -1133,7 +1138,7 @@
           <a:p>
             <a:fld id="{B06EC84A-EF8F-4AED-8615-B8876BDAD4DC}" type="datetimeFigureOut">
               <a:rPr lang="pt-PT" smtClean="0"/>
-              <a:t>17/02/2019</a:t>
+              <a:t>18/02/2019</a:t>
             </a:fld>
             <a:endParaRPr lang="pt-PT"/>
           </a:p>
@@ -1398,7 +1403,7 @@
           <a:p>
             <a:fld id="{B06EC84A-EF8F-4AED-8615-B8876BDAD4DC}" type="datetimeFigureOut">
               <a:rPr lang="pt-PT" smtClean="0"/>
-              <a:t>17/02/2019</a:t>
+              <a:t>18/02/2019</a:t>
             </a:fld>
             <a:endParaRPr lang="pt-PT"/>
           </a:p>
@@ -1810,7 +1815,7 @@
           <a:p>
             <a:fld id="{B06EC84A-EF8F-4AED-8615-B8876BDAD4DC}" type="datetimeFigureOut">
               <a:rPr lang="pt-PT" smtClean="0"/>
-              <a:t>17/02/2019</a:t>
+              <a:t>18/02/2019</a:t>
             </a:fld>
             <a:endParaRPr lang="pt-PT"/>
           </a:p>
@@ -1951,7 +1956,7 @@
           <a:p>
             <a:fld id="{B06EC84A-EF8F-4AED-8615-B8876BDAD4DC}" type="datetimeFigureOut">
               <a:rPr lang="pt-PT" smtClean="0"/>
-              <a:t>17/02/2019</a:t>
+              <a:t>18/02/2019</a:t>
             </a:fld>
             <a:endParaRPr lang="pt-PT"/>
           </a:p>
@@ -2064,7 +2069,7 @@
           <a:p>
             <a:fld id="{B06EC84A-EF8F-4AED-8615-B8876BDAD4DC}" type="datetimeFigureOut">
               <a:rPr lang="pt-PT" smtClean="0"/>
-              <a:t>17/02/2019</a:t>
+              <a:t>18/02/2019</a:t>
             </a:fld>
             <a:endParaRPr lang="pt-PT"/>
           </a:p>
@@ -2375,7 +2380,7 @@
           <a:p>
             <a:fld id="{B06EC84A-EF8F-4AED-8615-B8876BDAD4DC}" type="datetimeFigureOut">
               <a:rPr lang="pt-PT" smtClean="0"/>
-              <a:t>17/02/2019</a:t>
+              <a:t>18/02/2019</a:t>
             </a:fld>
             <a:endParaRPr lang="pt-PT"/>
           </a:p>
@@ -2663,7 +2668,7 @@
           <a:p>
             <a:fld id="{B06EC84A-EF8F-4AED-8615-B8876BDAD4DC}" type="datetimeFigureOut">
               <a:rPr lang="pt-PT" smtClean="0"/>
-              <a:t>17/02/2019</a:t>
+              <a:t>18/02/2019</a:t>
             </a:fld>
             <a:endParaRPr lang="pt-PT"/>
           </a:p>
@@ -2904,7 +2909,7 @@
           <a:p>
             <a:fld id="{B06EC84A-EF8F-4AED-8615-B8876BDAD4DC}" type="datetimeFigureOut">
               <a:rPr lang="pt-PT" smtClean="0"/>
-              <a:t>17/02/2019</a:t>
+              <a:t>18/02/2019</a:t>
             </a:fld>
             <a:endParaRPr lang="pt-PT"/>
           </a:p>
@@ -3346,6 +3351,13 @@
               <a:lumMod val="75000"/>
             </a:schemeClr>
           </a:solidFill>
+          <a:ln>
+            <a:solidFill>
+              <a:schemeClr val="accent6">
+                <a:lumMod val="50000"/>
+              </a:schemeClr>
+            </a:solidFill>
+          </a:ln>
         </p:spPr>
         <p:style>
           <a:lnRef idx="2">
@@ -3431,7 +3443,10 @@
           <a:p>
             <a:pPr algn="ctr"/>
             <a:r>
-              <a:rPr lang="pt-PT" sz="1200" dirty="0"/>
+              <a:rPr lang="pt-PT" sz="1200" dirty="0">
+                <a:latin typeface="Arial" panose="020B0604020202020204" pitchFamily="34" charset="0"/>
+                <a:cs typeface="Arial" panose="020B0604020202020204" pitchFamily="34" charset="0"/>
+              </a:rPr>
               <a:t>Camada de Negócios</a:t>
             </a:r>
           </a:p>
@@ -3493,7 +3508,10 @@
           <a:p>
             <a:pPr algn="ctr"/>
             <a:r>
-              <a:rPr lang="pt-PT" sz="1200" dirty="0"/>
+              <a:rPr lang="pt-PT" sz="1200" dirty="0">
+                <a:latin typeface="Arial" panose="020B0604020202020204" pitchFamily="34" charset="0"/>
+                <a:cs typeface="Arial" panose="020B0604020202020204" pitchFamily="34" charset="0"/>
+              </a:rPr>
               <a:t>Camada de Negócios</a:t>
             </a:r>
           </a:p>
@@ -3554,11 +3572,17 @@
           <a:p>
             <a:pPr algn="ctr"/>
             <a:r>
-              <a:rPr lang="pt-PT" dirty="0" err="1"/>
+              <a:rPr lang="pt-PT" sz="2000" b="1" i="1" dirty="0" err="1">
+                <a:latin typeface="Arial" panose="020B0604020202020204" pitchFamily="34" charset="0"/>
+                <a:cs typeface="Arial" panose="020B0604020202020204" pitchFamily="34" charset="0"/>
+              </a:rPr>
               <a:t>Front</a:t>
             </a:r>
             <a:r>
-              <a:rPr lang="pt-PT" dirty="0"/>
+              <a:rPr lang="pt-PT" sz="2000" b="1" i="1" dirty="0">
+                <a:latin typeface="Arial" panose="020B0604020202020204" pitchFamily="34" charset="0"/>
+                <a:cs typeface="Arial" panose="020B0604020202020204" pitchFamily="34" charset="0"/>
+              </a:rPr>
               <a:t> Office</a:t>
             </a:r>
           </a:p>
@@ -3619,11 +3643,17 @@
           <a:p>
             <a:pPr algn="ctr"/>
             <a:r>
-              <a:rPr lang="pt-PT" dirty="0" err="1"/>
+              <a:rPr lang="pt-PT" sz="2000" b="1" i="1" dirty="0" err="1">
+                <a:latin typeface="Arial" panose="020B0604020202020204" pitchFamily="34" charset="0"/>
+                <a:cs typeface="Arial" panose="020B0604020202020204" pitchFamily="34" charset="0"/>
+              </a:rPr>
               <a:t>Back</a:t>
             </a:r>
             <a:r>
-              <a:rPr lang="pt-PT" dirty="0"/>
+              <a:rPr lang="pt-PT" sz="2000" b="1" i="1" dirty="0">
+                <a:latin typeface="Arial" panose="020B0604020202020204" pitchFamily="34" charset="0"/>
+                <a:cs typeface="Arial" panose="020B0604020202020204" pitchFamily="34" charset="0"/>
+              </a:rPr>
               <a:t> Office</a:t>
             </a:r>
           </a:p>
@@ -3660,7 +3690,7 @@
         </p:blipFill>
         <p:spPr>
           <a:xfrm>
-            <a:off x="9361383" y="255732"/>
+            <a:off x="9351167" y="303243"/>
             <a:ext cx="1093346" cy="1093346"/>
           </a:xfrm>
           <a:prstGeom prst="rect">
@@ -3728,6 +3758,8 @@
                 <a:solidFill>
                   <a:schemeClr val="bg1"/>
                 </a:solidFill>
+                <a:latin typeface="Arial" panose="020B0604020202020204" pitchFamily="34" charset="0"/>
+                <a:cs typeface="Arial" panose="020B0604020202020204" pitchFamily="34" charset="0"/>
               </a:rPr>
               <a:t>Camada de Utilizador</a:t>
             </a:r>
@@ -3775,10 +3807,10 @@
       </p:pic>
       <p:sp>
         <p:nvSpPr>
-          <p:cNvPr id="16" name="Seta: Para a Direita 15">
-            <a:extLst>
-              <a:ext uri="{FF2B5EF4-FFF2-40B4-BE49-F238E27FC236}">
-                <a16:creationId xmlns:a16="http://schemas.microsoft.com/office/drawing/2014/main" id="{87261171-1E18-4651-9CE4-5CFA084190A7}"/>
+          <p:cNvPr id="18" name="Seta: Para a Direita 17">
+            <a:extLst>
+              <a:ext uri="{FF2B5EF4-FFF2-40B4-BE49-F238E27FC236}">
+                <a16:creationId xmlns:a16="http://schemas.microsoft.com/office/drawing/2014/main" id="{583AAF88-67FC-44E7-A41B-EAC6C5675A6A}"/>
               </a:ext>
             </a:extLst>
           </p:cNvPr>
@@ -3786,66 +3818,8 @@
           <p:nvPr/>
         </p:nvSpPr>
         <p:spPr>
-          <a:xfrm rot="20763729">
-            <a:off x="8299205" y="914771"/>
-            <a:ext cx="968321" cy="288967"/>
-          </a:xfrm>
-          <a:prstGeom prst="rightArrow">
-            <a:avLst/>
-          </a:prstGeom>
-          <a:solidFill>
-            <a:schemeClr val="accent6">
-              <a:lumMod val="75000"/>
-            </a:schemeClr>
-          </a:solidFill>
-          <a:ln>
-            <a:solidFill>
-              <a:schemeClr val="accent6">
-                <a:lumMod val="50000"/>
-              </a:schemeClr>
-            </a:solidFill>
-          </a:ln>
-        </p:spPr>
-        <p:style>
-          <a:lnRef idx="2">
-            <a:schemeClr val="accent1">
-              <a:shade val="50000"/>
-            </a:schemeClr>
-          </a:lnRef>
-          <a:fillRef idx="1">
-            <a:schemeClr val="accent1"/>
-          </a:fillRef>
-          <a:effectRef idx="0">
-            <a:schemeClr val="accent1"/>
-          </a:effectRef>
-          <a:fontRef idx="minor">
-            <a:schemeClr val="lt1"/>
-          </a:fontRef>
-        </p:style>
-        <p:txBody>
-          <a:bodyPr rtlCol="0" anchor="ctr"/>
-          <a:lstStyle/>
-          <a:p>
-            <a:pPr algn="ctr"/>
-            <a:endParaRPr lang="pt-PT"/>
-          </a:p>
-        </p:txBody>
-      </p:sp>
-      <p:sp>
-        <p:nvSpPr>
-          <p:cNvPr id="18" name="Seta: Para a Direita 17">
-            <a:extLst>
-              <a:ext uri="{FF2B5EF4-FFF2-40B4-BE49-F238E27FC236}">
-                <a16:creationId xmlns:a16="http://schemas.microsoft.com/office/drawing/2014/main" id="{583AAF88-67FC-44E7-A41B-EAC6C5675A6A}"/>
-              </a:ext>
-            </a:extLst>
-          </p:cNvPr>
-          <p:cNvSpPr/>
-          <p:nvPr/>
-        </p:nvSpPr>
-        <p:spPr>
           <a:xfrm rot="435346">
-            <a:off x="8332842" y="1464906"/>
+            <a:off x="8319072" y="1506483"/>
             <a:ext cx="940045" cy="300088"/>
           </a:xfrm>
           <a:prstGeom prst="rightArrow">
@@ -3904,7 +3878,7 @@
         <p:spPr>
           <a:xfrm>
             <a:off x="9288073" y="2681757"/>
-            <a:ext cx="1313629" cy="307777"/>
+            <a:ext cx="1475084" cy="307777"/>
           </a:xfrm>
           <a:prstGeom prst="rect">
             <a:avLst/>
@@ -3924,6 +3898,8 @@
                     <a:lumMod val="75000"/>
                   </a:schemeClr>
                 </a:solidFill>
+                <a:latin typeface="Arial" panose="020B0604020202020204" pitchFamily="34" charset="0"/>
+                <a:cs typeface="Arial" panose="020B0604020202020204" pitchFamily="34" charset="0"/>
               </a:rPr>
               <a:t>Feel</a:t>
             </a:r>
@@ -3934,6 +3910,8 @@
                     <a:lumMod val="75000"/>
                   </a:schemeClr>
                 </a:solidFill>
+                <a:latin typeface="Arial" panose="020B0604020202020204" pitchFamily="34" charset="0"/>
+                <a:cs typeface="Arial" panose="020B0604020202020204" pitchFamily="34" charset="0"/>
               </a:rPr>
               <a:t> </a:t>
             </a:r>
@@ -3944,6 +3922,8 @@
                     <a:lumMod val="75000"/>
                   </a:schemeClr>
                 </a:solidFill>
+                <a:latin typeface="Arial" panose="020B0604020202020204" pitchFamily="34" charset="0"/>
+                <a:cs typeface="Arial" panose="020B0604020202020204" pitchFamily="34" charset="0"/>
               </a:rPr>
               <a:t>The</a:t>
             </a:r>
@@ -3954,6 +3934,8 @@
                     <a:lumMod val="75000"/>
                   </a:schemeClr>
                 </a:solidFill>
+                <a:latin typeface="Arial" panose="020B0604020202020204" pitchFamily="34" charset="0"/>
+                <a:cs typeface="Arial" panose="020B0604020202020204" pitchFamily="34" charset="0"/>
               </a:rPr>
               <a:t> </a:t>
             </a:r>
@@ -3964,6 +3946,8 @@
                     <a:lumMod val="75000"/>
                   </a:schemeClr>
                 </a:solidFill>
+                <a:latin typeface="Arial" panose="020B0604020202020204" pitchFamily="34" charset="0"/>
+                <a:cs typeface="Arial" panose="020B0604020202020204" pitchFamily="34" charset="0"/>
               </a:rPr>
               <a:t>Italian</a:t>
             </a:r>
@@ -3973,6 +3957,8 @@
                   <a:lumMod val="75000"/>
                 </a:schemeClr>
               </a:solidFill>
+              <a:latin typeface="Arial" panose="020B0604020202020204" pitchFamily="34" charset="0"/>
+              <a:cs typeface="Arial" panose="020B0604020202020204" pitchFamily="34" charset="0"/>
             </a:endParaRPr>
           </a:p>
         </p:txBody>
@@ -4096,8 +4082,8 @@
         </p:nvSpPr>
         <p:spPr>
           <a:xfrm>
-            <a:off x="218790" y="873239"/>
-            <a:ext cx="1942383" cy="1200329"/>
+            <a:off x="229171" y="919406"/>
+            <a:ext cx="1942383" cy="1107996"/>
           </a:xfrm>
           <a:prstGeom prst="rect">
             <a:avLst/>
@@ -4115,7 +4101,10 @@
               <a:buChar char="•"/>
             </a:pPr>
             <a:r>
-              <a:rPr lang="pt-PT" sz="1200" dirty="0"/>
+              <a:rPr lang="pt-PT" sz="1100" dirty="0">
+                <a:latin typeface="Arial" panose="020B0604020202020204" pitchFamily="34" charset="0"/>
+                <a:cs typeface="Arial" panose="020B0604020202020204" pitchFamily="34" charset="0"/>
+              </a:rPr>
               <a:t>Registo utilizadores</a:t>
             </a:r>
           </a:p>
@@ -4125,7 +4114,10 @@
               <a:buChar char="•"/>
             </a:pPr>
             <a:r>
-              <a:rPr lang="pt-PT" sz="1200" dirty="0"/>
+              <a:rPr lang="pt-PT" sz="1100" dirty="0">
+                <a:latin typeface="Arial" panose="020B0604020202020204" pitchFamily="34" charset="0"/>
+                <a:cs typeface="Arial" panose="020B0604020202020204" pitchFamily="34" charset="0"/>
+              </a:rPr>
               <a:t>Registo da despensa</a:t>
             </a:r>
           </a:p>
@@ -4135,7 +4127,10 @@
               <a:buChar char="•"/>
             </a:pPr>
             <a:r>
-              <a:rPr lang="pt-PT" sz="1200" dirty="0"/>
+              <a:rPr lang="pt-PT" sz="1100" dirty="0">
+                <a:latin typeface="Arial" panose="020B0604020202020204" pitchFamily="34" charset="0"/>
+                <a:cs typeface="Arial" panose="020B0604020202020204" pitchFamily="34" charset="0"/>
+              </a:rPr>
               <a:t>Registo de preferências</a:t>
             </a:r>
           </a:p>
@@ -4145,7 +4140,10 @@
               <a:buChar char="•"/>
             </a:pPr>
             <a:r>
-              <a:rPr lang="pt-PT" sz="1200" dirty="0"/>
+              <a:rPr lang="pt-PT" sz="1100" dirty="0">
+                <a:latin typeface="Arial" panose="020B0604020202020204" pitchFamily="34" charset="0"/>
+                <a:cs typeface="Arial" panose="020B0604020202020204" pitchFamily="34" charset="0"/>
+              </a:rPr>
               <a:t>Avaliação receitas</a:t>
             </a:r>
           </a:p>
@@ -4155,7 +4153,10 @@
               <a:buChar char="•"/>
             </a:pPr>
             <a:r>
-              <a:rPr lang="pt-PT" sz="1200" dirty="0"/>
+              <a:rPr lang="pt-PT" sz="1100" dirty="0">
+                <a:latin typeface="Arial" panose="020B0604020202020204" pitchFamily="34" charset="0"/>
+                <a:cs typeface="Arial" panose="020B0604020202020204" pitchFamily="34" charset="0"/>
+              </a:rPr>
               <a:t>Reconhecedor de voz</a:t>
             </a:r>
           </a:p>
@@ -4165,7 +4166,10 @@
               <a:buChar char="•"/>
             </a:pPr>
             <a:r>
-              <a:rPr lang="pt-PT" sz="1200" dirty="0"/>
+              <a:rPr lang="pt-PT" sz="1100" dirty="0">
+                <a:latin typeface="Arial" panose="020B0604020202020204" pitchFamily="34" charset="0"/>
+                <a:cs typeface="Arial" panose="020B0604020202020204" pitchFamily="34" charset="0"/>
+              </a:rPr>
               <a:t>Mapa geográfico</a:t>
             </a:r>
           </a:p>
@@ -4291,7 +4295,7 @@
         <p:spPr>
           <a:xfrm>
             <a:off x="348555" y="5176543"/>
-            <a:ext cx="1942383" cy="461665"/>
+            <a:ext cx="1942383" cy="430887"/>
           </a:xfrm>
           <a:prstGeom prst="rect">
             <a:avLst/>
@@ -4309,7 +4313,10 @@
               <a:buChar char="•"/>
             </a:pPr>
             <a:r>
-              <a:rPr lang="pt-PT" sz="1200" dirty="0"/>
+              <a:rPr lang="pt-PT" sz="1100" dirty="0">
+                <a:latin typeface="Arial" panose="020B0604020202020204" pitchFamily="34" charset="0"/>
+                <a:cs typeface="Arial" panose="020B0604020202020204" pitchFamily="34" charset="0"/>
+              </a:rPr>
               <a:t>Registo de mercados</a:t>
             </a:r>
           </a:p>
@@ -4319,7 +4326,10 @@
               <a:buChar char="•"/>
             </a:pPr>
             <a:r>
-              <a:rPr lang="pt-PT" sz="1200" dirty="0"/>
+              <a:rPr lang="pt-PT" sz="1100" dirty="0">
+                <a:latin typeface="Arial" panose="020B0604020202020204" pitchFamily="34" charset="0"/>
+                <a:cs typeface="Arial" panose="020B0604020202020204" pitchFamily="34" charset="0"/>
+              </a:rPr>
               <a:t>Registo de receitas</a:t>
             </a:r>
           </a:p>
@@ -4385,6 +4395,8 @@
                 <a:solidFill>
                   <a:schemeClr val="bg1"/>
                 </a:solidFill>
+                <a:latin typeface="Arial" panose="020B0604020202020204" pitchFamily="34" charset="0"/>
+                <a:cs typeface="Arial" panose="020B0604020202020204" pitchFamily="34" charset="0"/>
               </a:rPr>
               <a:t>Camada de Dados</a:t>
             </a:r>
@@ -4422,7 +4434,7 @@
         </p:blipFill>
         <p:spPr>
           <a:xfrm>
-            <a:off x="8555897" y="4686491"/>
+            <a:off x="9212711" y="4610963"/>
             <a:ext cx="1464352" cy="1464352"/>
           </a:xfrm>
           <a:prstGeom prst="rect">
@@ -4444,8 +4456,8 @@
         </p:nvSpPr>
         <p:spPr>
           <a:xfrm>
-            <a:off x="8717019" y="6151867"/>
-            <a:ext cx="1268296" cy="307777"/>
+            <a:off x="9333406" y="6096059"/>
+            <a:ext cx="1467068" cy="307777"/>
           </a:xfrm>
           <a:prstGeom prst="rect">
             <a:avLst/>
@@ -4465,9 +4477,120 @@
                     <a:lumMod val="75000"/>
                   </a:schemeClr>
                 </a:solidFill>
+                <a:latin typeface="Arial" panose="020B0604020202020204" pitchFamily="34" charset="0"/>
+                <a:cs typeface="Arial" panose="020B0604020202020204" pitchFamily="34" charset="0"/>
               </a:rPr>
               <a:t>Base de Dados</a:t>
             </a:r>
+          </a:p>
+        </p:txBody>
+      </p:sp>
+      <p:sp>
+        <p:nvSpPr>
+          <p:cNvPr id="27" name="Seta: Para a Direita 26">
+            <a:extLst>
+              <a:ext uri="{FF2B5EF4-FFF2-40B4-BE49-F238E27FC236}">
+                <a16:creationId xmlns:a16="http://schemas.microsoft.com/office/drawing/2014/main" id="{D2F80E68-8575-4E84-84DA-817BF00E0957}"/>
+              </a:ext>
+            </a:extLst>
+          </p:cNvPr>
+          <p:cNvSpPr/>
+          <p:nvPr/>
+        </p:nvSpPr>
+        <p:spPr>
+          <a:xfrm rot="20866976">
+            <a:off x="8324994" y="943665"/>
+            <a:ext cx="940045" cy="300088"/>
+          </a:xfrm>
+          <a:prstGeom prst="rightArrow">
+            <a:avLst/>
+          </a:prstGeom>
+          <a:solidFill>
+            <a:schemeClr val="accent6">
+              <a:lumMod val="75000"/>
+            </a:schemeClr>
+          </a:solidFill>
+          <a:ln>
+            <a:solidFill>
+              <a:schemeClr val="accent6">
+                <a:lumMod val="50000"/>
+              </a:schemeClr>
+            </a:solidFill>
+          </a:ln>
+        </p:spPr>
+        <p:style>
+          <a:lnRef idx="2">
+            <a:schemeClr val="accent1">
+              <a:shade val="50000"/>
+            </a:schemeClr>
+          </a:lnRef>
+          <a:fillRef idx="1">
+            <a:schemeClr val="accent1"/>
+          </a:fillRef>
+          <a:effectRef idx="0">
+            <a:schemeClr val="accent1"/>
+          </a:effectRef>
+          <a:fontRef idx="minor">
+            <a:schemeClr val="lt1"/>
+          </a:fontRef>
+        </p:style>
+        <p:txBody>
+          <a:bodyPr rtlCol="0" anchor="ctr"/>
+          <a:lstStyle/>
+          <a:p>
+            <a:pPr algn="ctr"/>
+            <a:endParaRPr lang="pt-PT"/>
+          </a:p>
+        </p:txBody>
+      </p:sp>
+      <p:sp>
+        <p:nvSpPr>
+          <p:cNvPr id="30" name="Seta: Para a Esquerda 29">
+            <a:extLst>
+              <a:ext uri="{FF2B5EF4-FFF2-40B4-BE49-F238E27FC236}">
+                <a16:creationId xmlns:a16="http://schemas.microsoft.com/office/drawing/2014/main" id="{5F156321-90EE-44D8-B655-87D6A9A86BF1}"/>
+              </a:ext>
+            </a:extLst>
+          </p:cNvPr>
+          <p:cNvSpPr/>
+          <p:nvPr/>
+        </p:nvSpPr>
+        <p:spPr>
+          <a:xfrm rot="10800000">
+            <a:off x="8158683" y="5244242"/>
+            <a:ext cx="1127464" cy="326265"/>
+          </a:xfrm>
+          <a:prstGeom prst="leftArrow">
+            <a:avLst/>
+          </a:prstGeom>
+          <a:solidFill>
+            <a:schemeClr val="accent6">
+              <a:lumMod val="75000"/>
+            </a:schemeClr>
+          </a:solidFill>
+        </p:spPr>
+        <p:style>
+          <a:lnRef idx="2">
+            <a:schemeClr val="accent6">
+              <a:shade val="50000"/>
+            </a:schemeClr>
+          </a:lnRef>
+          <a:fillRef idx="1">
+            <a:schemeClr val="accent6"/>
+          </a:fillRef>
+          <a:effectRef idx="0">
+            <a:schemeClr val="accent6"/>
+          </a:effectRef>
+          <a:fontRef idx="minor">
+            <a:schemeClr val="lt1"/>
+          </a:fontRef>
+        </p:style>
+        <p:txBody>
+          <a:bodyPr rtlCol="0" anchor="ctr"/>
+          <a:lstStyle/>
+          <a:p>
+            <a:pPr algn="ctr"/>
+            <a:endParaRPr lang="pt-PT"/>
           </a:p>
         </p:txBody>
       </p:sp>
